--- a/comment20210829.pptx
+++ b/comment20210829.pptx
@@ -14,6 +14,8 @@
     <p:sldId id="261" r:id="rId8"/>
     <p:sldId id="262" r:id="rId9"/>
     <p:sldId id="263" r:id="rId10"/>
+    <p:sldId id="265" r:id="rId11"/>
+    <p:sldId id="266" r:id="rId12"/>
   </p:sldIdLst>
   <p:sldSz cx="12192000" cy="6858000"/>
   <p:notesSz cx="6858000" cy="9144000"/>
@@ -112,6 +114,11 @@
       </a:defRPr>
     </a:lvl9pPr>
   </p:defaultTextStyle>
+  <p:extLst>
+    <p:ext uri="{EFAFB233-063F-42B5-8137-9DF3F51BA10A}">
+      <p15:sldGuideLst xmlns:p15="http://schemas.microsoft.com/office/powerpoint/2012/main"/>
+    </p:ext>
+  </p:extLst>
 </p:presentation>
 </file>
 
@@ -262,7 +269,7 @@
           <a:p>
             <a:fld id="{7E2837A0-30E2-47A6-BDB7-3A2E7B08A132}" type="datetimeFigureOut">
               <a:rPr lang="en-US" smtClean="0"/>
-              <a:t>29/08/2021</a:t>
+              <a:t>07/09/2021</a:t>
             </a:fld>
             <a:endParaRPr lang="en-US"/>
           </a:p>
@@ -460,7 +467,7 @@
           <a:p>
             <a:fld id="{7E2837A0-30E2-47A6-BDB7-3A2E7B08A132}" type="datetimeFigureOut">
               <a:rPr lang="en-US" smtClean="0"/>
-              <a:t>29/08/2021</a:t>
+              <a:t>07/09/2021</a:t>
             </a:fld>
             <a:endParaRPr lang="en-US"/>
           </a:p>
@@ -668,7 +675,7 @@
           <a:p>
             <a:fld id="{7E2837A0-30E2-47A6-BDB7-3A2E7B08A132}" type="datetimeFigureOut">
               <a:rPr lang="en-US" smtClean="0"/>
-              <a:t>29/08/2021</a:t>
+              <a:t>07/09/2021</a:t>
             </a:fld>
             <a:endParaRPr lang="en-US"/>
           </a:p>
@@ -866,7 +873,7 @@
           <a:p>
             <a:fld id="{7E2837A0-30E2-47A6-BDB7-3A2E7B08A132}" type="datetimeFigureOut">
               <a:rPr lang="en-US" smtClean="0"/>
-              <a:t>29/08/2021</a:t>
+              <a:t>07/09/2021</a:t>
             </a:fld>
             <a:endParaRPr lang="en-US"/>
           </a:p>
@@ -1141,7 +1148,7 @@
           <a:p>
             <a:fld id="{7E2837A0-30E2-47A6-BDB7-3A2E7B08A132}" type="datetimeFigureOut">
               <a:rPr lang="en-US" smtClean="0"/>
-              <a:t>29/08/2021</a:t>
+              <a:t>07/09/2021</a:t>
             </a:fld>
             <a:endParaRPr lang="en-US"/>
           </a:p>
@@ -1406,7 +1413,7 @@
           <a:p>
             <a:fld id="{7E2837A0-30E2-47A6-BDB7-3A2E7B08A132}" type="datetimeFigureOut">
               <a:rPr lang="en-US" smtClean="0"/>
-              <a:t>29/08/2021</a:t>
+              <a:t>07/09/2021</a:t>
             </a:fld>
             <a:endParaRPr lang="en-US"/>
           </a:p>
@@ -1818,7 +1825,7 @@
           <a:p>
             <a:fld id="{7E2837A0-30E2-47A6-BDB7-3A2E7B08A132}" type="datetimeFigureOut">
               <a:rPr lang="en-US" smtClean="0"/>
-              <a:t>29/08/2021</a:t>
+              <a:t>07/09/2021</a:t>
             </a:fld>
             <a:endParaRPr lang="en-US"/>
           </a:p>
@@ -1959,7 +1966,7 @@
           <a:p>
             <a:fld id="{7E2837A0-30E2-47A6-BDB7-3A2E7B08A132}" type="datetimeFigureOut">
               <a:rPr lang="en-US" smtClean="0"/>
-              <a:t>29/08/2021</a:t>
+              <a:t>07/09/2021</a:t>
             </a:fld>
             <a:endParaRPr lang="en-US"/>
           </a:p>
@@ -2072,7 +2079,7 @@
           <a:p>
             <a:fld id="{7E2837A0-30E2-47A6-BDB7-3A2E7B08A132}" type="datetimeFigureOut">
               <a:rPr lang="en-US" smtClean="0"/>
-              <a:t>29/08/2021</a:t>
+              <a:t>07/09/2021</a:t>
             </a:fld>
             <a:endParaRPr lang="en-US"/>
           </a:p>
@@ -2383,7 +2390,7 @@
           <a:p>
             <a:fld id="{7E2837A0-30E2-47A6-BDB7-3A2E7B08A132}" type="datetimeFigureOut">
               <a:rPr lang="en-US" smtClean="0"/>
-              <a:t>29/08/2021</a:t>
+              <a:t>07/09/2021</a:t>
             </a:fld>
             <a:endParaRPr lang="en-US"/>
           </a:p>
@@ -2671,7 +2678,7 @@
           <a:p>
             <a:fld id="{7E2837A0-30E2-47A6-BDB7-3A2E7B08A132}" type="datetimeFigureOut">
               <a:rPr lang="en-US" smtClean="0"/>
-              <a:t>29/08/2021</a:t>
+              <a:t>07/09/2021</a:t>
             </a:fld>
             <a:endParaRPr lang="en-US"/>
           </a:p>
@@ -2912,7 +2919,7 @@
           <a:p>
             <a:fld id="{7E2837A0-30E2-47A6-BDB7-3A2E7B08A132}" type="datetimeFigureOut">
               <a:rPr lang="en-US" smtClean="0"/>
-              <a:t>29/08/2021</a:t>
+              <a:t>07/09/2021</a:t>
             </a:fld>
             <a:endParaRPr lang="en-US"/>
           </a:p>
@@ -3727,6 +3734,246 @@
 </p:sld>
 </file>
 
+<file path=ppt/slides/slide10.xml><?xml version="1.0" encoding="utf-8"?>
+<p:sld xmlns:a="http://schemas.openxmlformats.org/drawingml/2006/main" xmlns:r="http://schemas.openxmlformats.org/officeDocument/2006/relationships" xmlns:p="http://schemas.openxmlformats.org/presentationml/2006/main">
+  <p:cSld>
+    <p:spTree>
+      <p:nvGrpSpPr>
+        <p:cNvPr id="1" name=""/>
+        <p:cNvGrpSpPr/>
+        <p:nvPr/>
+      </p:nvGrpSpPr>
+      <p:grpSpPr>
+        <a:xfrm>
+          <a:off x="0" y="0"/>
+          <a:ext cx="0" cy="0"/>
+          <a:chOff x="0" y="0"/>
+          <a:chExt cx="0" cy="0"/>
+        </a:xfrm>
+      </p:grpSpPr>
+      <p:pic>
+        <p:nvPicPr>
+          <p:cNvPr id="4" name="Picture 3">
+            <a:extLst>
+              <a:ext uri="{FF2B5EF4-FFF2-40B4-BE49-F238E27FC236}">
+                <a16:creationId xmlns:a16="http://schemas.microsoft.com/office/drawing/2014/main" id="{1B099806-784C-4544-A0DB-9CC905091B5A}"/>
+              </a:ext>
+            </a:extLst>
+          </p:cNvPr>
+          <p:cNvPicPr>
+            <a:picLocks noChangeAspect="1"/>
+          </p:cNvPicPr>
+          <p:nvPr/>
+        </p:nvPicPr>
+        <p:blipFill>
+          <a:blip r:embed="rId2"/>
+          <a:stretch>
+            <a:fillRect/>
+          </a:stretch>
+        </p:blipFill>
+        <p:spPr>
+          <a:xfrm>
+            <a:off x="732489" y="117620"/>
+            <a:ext cx="2461101" cy="2600867"/>
+          </a:xfrm>
+          <a:prstGeom prst="rect">
+            <a:avLst/>
+          </a:prstGeom>
+        </p:spPr>
+      </p:pic>
+      <p:pic>
+        <p:nvPicPr>
+          <p:cNvPr id="5" name="Picture 4">
+            <a:extLst>
+              <a:ext uri="{FF2B5EF4-FFF2-40B4-BE49-F238E27FC236}">
+                <a16:creationId xmlns:a16="http://schemas.microsoft.com/office/drawing/2014/main" id="{9B11CF00-EC20-4D5B-88EB-AB524B5A2557}"/>
+              </a:ext>
+            </a:extLst>
+          </p:cNvPr>
+          <p:cNvPicPr>
+            <a:picLocks noChangeAspect="1"/>
+          </p:cNvPicPr>
+          <p:nvPr/>
+        </p:nvPicPr>
+        <p:blipFill>
+          <a:blip r:embed="rId3"/>
+          <a:stretch>
+            <a:fillRect/>
+          </a:stretch>
+        </p:blipFill>
+        <p:spPr>
+          <a:xfrm>
+            <a:off x="4187894" y="117620"/>
+            <a:ext cx="3265662" cy="2600867"/>
+          </a:xfrm>
+          <a:prstGeom prst="rect">
+            <a:avLst/>
+          </a:prstGeom>
+        </p:spPr>
+      </p:pic>
+      <p:pic>
+        <p:nvPicPr>
+          <p:cNvPr id="6" name="Picture 5">
+            <a:extLst>
+              <a:ext uri="{FF2B5EF4-FFF2-40B4-BE49-F238E27FC236}">
+                <a16:creationId xmlns:a16="http://schemas.microsoft.com/office/drawing/2014/main" id="{1DF0BDE0-A19B-422A-96CF-6B65373DC864}"/>
+              </a:ext>
+            </a:extLst>
+          </p:cNvPr>
+          <p:cNvPicPr>
+            <a:picLocks noChangeAspect="1"/>
+          </p:cNvPicPr>
+          <p:nvPr/>
+        </p:nvPicPr>
+        <p:blipFill>
+          <a:blip r:embed="rId4"/>
+          <a:stretch>
+            <a:fillRect/>
+          </a:stretch>
+        </p:blipFill>
+        <p:spPr>
+          <a:xfrm>
+            <a:off x="335647" y="3529596"/>
+            <a:ext cx="6182588" cy="2715004"/>
+          </a:xfrm>
+          <a:prstGeom prst="rect">
+            <a:avLst/>
+          </a:prstGeom>
+        </p:spPr>
+      </p:pic>
+      <p:pic>
+        <p:nvPicPr>
+          <p:cNvPr id="7" name="Picture 6">
+            <a:extLst>
+              <a:ext uri="{FF2B5EF4-FFF2-40B4-BE49-F238E27FC236}">
+                <a16:creationId xmlns:a16="http://schemas.microsoft.com/office/drawing/2014/main" id="{EBF6E34A-39CB-444D-A1AA-8BA85178890F}"/>
+              </a:ext>
+            </a:extLst>
+          </p:cNvPr>
+          <p:cNvPicPr>
+            <a:picLocks noChangeAspect="1"/>
+          </p:cNvPicPr>
+          <p:nvPr/>
+        </p:nvPicPr>
+        <p:blipFill>
+          <a:blip r:embed="rId5"/>
+          <a:stretch>
+            <a:fillRect/>
+          </a:stretch>
+        </p:blipFill>
+        <p:spPr>
+          <a:xfrm>
+            <a:off x="7241059" y="51400"/>
+            <a:ext cx="4979774" cy="1667108"/>
+          </a:xfrm>
+          <a:prstGeom prst="rect">
+            <a:avLst/>
+          </a:prstGeom>
+        </p:spPr>
+      </p:pic>
+      <p:pic>
+        <p:nvPicPr>
+          <p:cNvPr id="8" name="Picture 7">
+            <a:extLst>
+              <a:ext uri="{FF2B5EF4-FFF2-40B4-BE49-F238E27FC236}">
+                <a16:creationId xmlns:a16="http://schemas.microsoft.com/office/drawing/2014/main" id="{F2253C62-A69D-443E-9C64-620DE893F2BC}"/>
+              </a:ext>
+            </a:extLst>
+          </p:cNvPr>
+          <p:cNvPicPr>
+            <a:picLocks noChangeAspect="1"/>
+          </p:cNvPicPr>
+          <p:nvPr/>
+        </p:nvPicPr>
+        <p:blipFill>
+          <a:blip r:embed="rId6"/>
+          <a:stretch>
+            <a:fillRect/>
+          </a:stretch>
+        </p:blipFill>
+        <p:spPr>
+          <a:xfrm>
+            <a:off x="5615160" y="3073939"/>
+            <a:ext cx="6744641" cy="3162741"/>
+          </a:xfrm>
+          <a:prstGeom prst="rect">
+            <a:avLst/>
+          </a:prstGeom>
+        </p:spPr>
+      </p:pic>
+    </p:spTree>
+    <p:extLst>
+      <p:ext uri="{BB962C8B-B14F-4D97-AF65-F5344CB8AC3E}">
+        <p14:creationId xmlns:p14="http://schemas.microsoft.com/office/powerpoint/2010/main" val="838198369"/>
+      </p:ext>
+    </p:extLst>
+  </p:cSld>
+  <p:clrMapOvr>
+    <a:masterClrMapping/>
+  </p:clrMapOvr>
+</p:sld>
+</file>
+
+<file path=ppt/slides/slide11.xml><?xml version="1.0" encoding="utf-8"?>
+<p:sld xmlns:a="http://schemas.openxmlformats.org/drawingml/2006/main" xmlns:r="http://schemas.openxmlformats.org/officeDocument/2006/relationships" xmlns:p="http://schemas.openxmlformats.org/presentationml/2006/main">
+  <p:cSld>
+    <p:spTree>
+      <p:nvGrpSpPr>
+        <p:cNvPr id="1" name=""/>
+        <p:cNvGrpSpPr/>
+        <p:nvPr/>
+      </p:nvGrpSpPr>
+      <p:grpSpPr>
+        <a:xfrm>
+          <a:off x="0" y="0"/>
+          <a:ext cx="0" cy="0"/>
+          <a:chOff x="0" y="0"/>
+          <a:chExt cx="0" cy="0"/>
+        </a:xfrm>
+      </p:grpSpPr>
+      <p:pic>
+        <p:nvPicPr>
+          <p:cNvPr id="4" name="Picture 3">
+            <a:extLst>
+              <a:ext uri="{FF2B5EF4-FFF2-40B4-BE49-F238E27FC236}">
+                <a16:creationId xmlns:a16="http://schemas.microsoft.com/office/drawing/2014/main" id="{535FA4A0-B397-4E18-BBBF-67790006DBD2}"/>
+              </a:ext>
+            </a:extLst>
+          </p:cNvPr>
+          <p:cNvPicPr>
+            <a:picLocks noChangeAspect="1"/>
+          </p:cNvPicPr>
+          <p:nvPr/>
+        </p:nvPicPr>
+        <p:blipFill>
+          <a:blip r:embed="rId2"/>
+          <a:stretch>
+            <a:fillRect/>
+          </a:stretch>
+        </p:blipFill>
+        <p:spPr>
+          <a:xfrm>
+            <a:off x="461431" y="140675"/>
+            <a:ext cx="7611537" cy="3858163"/>
+          </a:xfrm>
+          <a:prstGeom prst="rect">
+            <a:avLst/>
+          </a:prstGeom>
+        </p:spPr>
+      </p:pic>
+    </p:spTree>
+    <p:extLst>
+      <p:ext uri="{BB962C8B-B14F-4D97-AF65-F5344CB8AC3E}">
+        <p14:creationId xmlns:p14="http://schemas.microsoft.com/office/powerpoint/2010/main" val="886742534"/>
+      </p:ext>
+    </p:extLst>
+  </p:cSld>
+  <p:clrMapOvr>
+    <a:masterClrMapping/>
+  </p:clrMapOvr>
+</p:sld>
+</file>
+
 <file path=ppt/slides/slide2.xml><?xml version="1.0" encoding="utf-8"?>
 <p:sld xmlns:a="http://schemas.openxmlformats.org/drawingml/2006/main" xmlns:r="http://schemas.openxmlformats.org/officeDocument/2006/relationships" xmlns:p="http://schemas.openxmlformats.org/presentationml/2006/main">
   <p:cSld>

--- a/comment20210829.pptx
+++ b/comment20210829.pptx
@@ -3803,7 +3803,7 @@
         </p:blipFill>
         <p:spPr>
           <a:xfrm>
-            <a:off x="4187894" y="117620"/>
+            <a:off x="4187894" y="655594"/>
             <a:ext cx="3265662" cy="2600867"/>
           </a:xfrm>
           <a:prstGeom prst="rect">
@@ -3863,7 +3863,7 @@
         </p:blipFill>
         <p:spPr>
           <a:xfrm>
-            <a:off x="7241059" y="51400"/>
+            <a:off x="7853310" y="759066"/>
             <a:ext cx="4979774" cy="1667108"/>
           </a:xfrm>
           <a:prstGeom prst="rect">
@@ -3901,6 +3901,342 @@
           </a:prstGeom>
         </p:spPr>
       </p:pic>
+      <p:sp>
+        <p:nvSpPr>
+          <p:cNvPr id="9" name="Rectangle: Rounded Corners 8">
+            <a:extLst>
+              <a:ext uri="{FF2B5EF4-FFF2-40B4-BE49-F238E27FC236}">
+                <a16:creationId xmlns:a16="http://schemas.microsoft.com/office/drawing/2014/main" id="{54FDFC1B-645A-4917-9FDB-7CFEC9106A97}"/>
+              </a:ext>
+            </a:extLst>
+          </p:cNvPr>
+          <p:cNvSpPr/>
+          <p:nvPr/>
+        </p:nvSpPr>
+        <p:spPr>
+          <a:xfrm>
+            <a:off x="1568554" y="1139474"/>
+            <a:ext cx="1092758" cy="194026"/>
+          </a:xfrm>
+          <a:prstGeom prst="roundRect">
+            <a:avLst/>
+          </a:prstGeom>
+        </p:spPr>
+        <p:style>
+          <a:lnRef idx="2">
+            <a:schemeClr val="accent6">
+              <a:shade val="50000"/>
+            </a:schemeClr>
+          </a:lnRef>
+          <a:fillRef idx="1">
+            <a:schemeClr val="accent6"/>
+          </a:fillRef>
+          <a:effectRef idx="0">
+            <a:schemeClr val="accent6"/>
+          </a:effectRef>
+          <a:fontRef idx="minor">
+            <a:schemeClr val="lt1"/>
+          </a:fontRef>
+        </p:style>
+        <p:txBody>
+          <a:bodyPr rtlCol="0" anchor="ctr"/>
+          <a:lstStyle/>
+          <a:p>
+            <a:pPr algn="ctr"/>
+            <a:r>
+              <a:rPr lang="en-US" sz="2800" b="1" dirty="0">
+                <a:solidFill>
+                  <a:schemeClr val="tx1">
+                    <a:lumMod val="95000"/>
+                    <a:lumOff val="5000"/>
+                  </a:schemeClr>
+                </a:solidFill>
+              </a:rPr>
+              <a:t>ok</a:t>
+            </a:r>
+          </a:p>
+        </p:txBody>
+      </p:sp>
+      <p:sp>
+        <p:nvSpPr>
+          <p:cNvPr id="10" name="Rectangle: Rounded Corners 9">
+            <a:extLst>
+              <a:ext uri="{FF2B5EF4-FFF2-40B4-BE49-F238E27FC236}">
+                <a16:creationId xmlns:a16="http://schemas.microsoft.com/office/drawing/2014/main" id="{CE87A7A9-F5E7-4522-B161-6A4CB603AA5D}"/>
+              </a:ext>
+            </a:extLst>
+          </p:cNvPr>
+          <p:cNvSpPr/>
+          <p:nvPr/>
+        </p:nvSpPr>
+        <p:spPr>
+          <a:xfrm>
+            <a:off x="5425477" y="2174469"/>
+            <a:ext cx="1092758" cy="194026"/>
+          </a:xfrm>
+          <a:prstGeom prst="roundRect">
+            <a:avLst/>
+          </a:prstGeom>
+        </p:spPr>
+        <p:style>
+          <a:lnRef idx="2">
+            <a:schemeClr val="accent6">
+              <a:shade val="50000"/>
+            </a:schemeClr>
+          </a:lnRef>
+          <a:fillRef idx="1">
+            <a:schemeClr val="accent6"/>
+          </a:fillRef>
+          <a:effectRef idx="0">
+            <a:schemeClr val="accent6"/>
+          </a:effectRef>
+          <a:fontRef idx="minor">
+            <a:schemeClr val="lt1"/>
+          </a:fontRef>
+        </p:style>
+        <p:txBody>
+          <a:bodyPr rtlCol="0" anchor="ctr"/>
+          <a:lstStyle/>
+          <a:p>
+            <a:pPr algn="ctr"/>
+            <a:r>
+              <a:rPr lang="en-US" sz="2800" b="1" dirty="0">
+                <a:solidFill>
+                  <a:schemeClr val="tx1">
+                    <a:lumMod val="95000"/>
+                    <a:lumOff val="5000"/>
+                  </a:schemeClr>
+                </a:solidFill>
+              </a:rPr>
+              <a:t>ok</a:t>
+            </a:r>
+          </a:p>
+        </p:txBody>
+      </p:sp>
+      <p:sp>
+        <p:nvSpPr>
+          <p:cNvPr id="11" name="Rectangle: Rounded Corners 10">
+            <a:extLst>
+              <a:ext uri="{FF2B5EF4-FFF2-40B4-BE49-F238E27FC236}">
+                <a16:creationId xmlns:a16="http://schemas.microsoft.com/office/drawing/2014/main" id="{F6D2996D-12CA-4657-B1B9-AE9A513A95EB}"/>
+              </a:ext>
+            </a:extLst>
+          </p:cNvPr>
+          <p:cNvSpPr/>
+          <p:nvPr/>
+        </p:nvSpPr>
+        <p:spPr>
+          <a:xfrm>
+            <a:off x="8611262" y="1552595"/>
+            <a:ext cx="690713" cy="268254"/>
+          </a:xfrm>
+          <a:prstGeom prst="roundRect">
+            <a:avLst/>
+          </a:prstGeom>
+        </p:spPr>
+        <p:style>
+          <a:lnRef idx="2">
+            <a:schemeClr val="accent6">
+              <a:shade val="50000"/>
+            </a:schemeClr>
+          </a:lnRef>
+          <a:fillRef idx="1">
+            <a:schemeClr val="accent6"/>
+          </a:fillRef>
+          <a:effectRef idx="0">
+            <a:schemeClr val="accent6"/>
+          </a:effectRef>
+          <a:fontRef idx="minor">
+            <a:schemeClr val="lt1"/>
+          </a:fontRef>
+        </p:style>
+        <p:txBody>
+          <a:bodyPr rtlCol="0" anchor="ctr"/>
+          <a:lstStyle/>
+          <a:p>
+            <a:pPr algn="ctr"/>
+            <a:r>
+              <a:rPr lang="en-US" sz="2800" b="1" dirty="0">
+                <a:solidFill>
+                  <a:schemeClr val="tx1">
+                    <a:lumMod val="95000"/>
+                    <a:lumOff val="5000"/>
+                  </a:schemeClr>
+                </a:solidFill>
+              </a:rPr>
+              <a:t>ok</a:t>
+            </a:r>
+          </a:p>
+        </p:txBody>
+      </p:sp>
+      <p:sp>
+        <p:nvSpPr>
+          <p:cNvPr id="12" name="Rectangle: Rounded Corners 11">
+            <a:extLst>
+              <a:ext uri="{FF2B5EF4-FFF2-40B4-BE49-F238E27FC236}">
+                <a16:creationId xmlns:a16="http://schemas.microsoft.com/office/drawing/2014/main" id="{14723011-1650-4108-8859-1B23D55B8F73}"/>
+              </a:ext>
+            </a:extLst>
+          </p:cNvPr>
+          <p:cNvSpPr/>
+          <p:nvPr/>
+        </p:nvSpPr>
+        <p:spPr>
+          <a:xfrm>
+            <a:off x="6650763" y="5480780"/>
+            <a:ext cx="1092758" cy="194026"/>
+          </a:xfrm>
+          <a:prstGeom prst="roundRect">
+            <a:avLst/>
+          </a:prstGeom>
+        </p:spPr>
+        <p:style>
+          <a:lnRef idx="2">
+            <a:schemeClr val="accent6">
+              <a:shade val="50000"/>
+            </a:schemeClr>
+          </a:lnRef>
+          <a:fillRef idx="1">
+            <a:schemeClr val="accent6"/>
+          </a:fillRef>
+          <a:effectRef idx="0">
+            <a:schemeClr val="accent6"/>
+          </a:effectRef>
+          <a:fontRef idx="minor">
+            <a:schemeClr val="lt1"/>
+          </a:fontRef>
+        </p:style>
+        <p:txBody>
+          <a:bodyPr rtlCol="0" anchor="ctr"/>
+          <a:lstStyle/>
+          <a:p>
+            <a:pPr algn="ctr"/>
+            <a:r>
+              <a:rPr lang="en-US" sz="2800" b="1" dirty="0">
+                <a:solidFill>
+                  <a:schemeClr val="tx1">
+                    <a:lumMod val="95000"/>
+                    <a:lumOff val="5000"/>
+                  </a:schemeClr>
+                </a:solidFill>
+              </a:rPr>
+              <a:t>ok</a:t>
+            </a:r>
+          </a:p>
+        </p:txBody>
+      </p:sp>
+      <p:sp>
+        <p:nvSpPr>
+          <p:cNvPr id="13" name="Rectangle: Rounded Corners 12">
+            <a:extLst>
+              <a:ext uri="{FF2B5EF4-FFF2-40B4-BE49-F238E27FC236}">
+                <a16:creationId xmlns:a16="http://schemas.microsoft.com/office/drawing/2014/main" id="{1E76612D-BFA1-4862-B9D3-F0CC1592C9BC}"/>
+              </a:ext>
+            </a:extLst>
+          </p:cNvPr>
+          <p:cNvSpPr/>
+          <p:nvPr/>
+        </p:nvSpPr>
+        <p:spPr>
+          <a:xfrm>
+            <a:off x="2334183" y="4114587"/>
+            <a:ext cx="1092758" cy="194026"/>
+          </a:xfrm>
+          <a:prstGeom prst="roundRect">
+            <a:avLst/>
+          </a:prstGeom>
+        </p:spPr>
+        <p:style>
+          <a:lnRef idx="2">
+            <a:schemeClr val="accent6">
+              <a:shade val="50000"/>
+            </a:schemeClr>
+          </a:lnRef>
+          <a:fillRef idx="1">
+            <a:schemeClr val="accent6"/>
+          </a:fillRef>
+          <a:effectRef idx="0">
+            <a:schemeClr val="accent6"/>
+          </a:effectRef>
+          <a:fontRef idx="minor">
+            <a:schemeClr val="lt1"/>
+          </a:fontRef>
+        </p:style>
+        <p:txBody>
+          <a:bodyPr rtlCol="0" anchor="ctr"/>
+          <a:lstStyle/>
+          <a:p>
+            <a:pPr algn="ctr"/>
+            <a:r>
+              <a:rPr lang="en-US" sz="2800" b="1" dirty="0">
+                <a:solidFill>
+                  <a:schemeClr val="tx1">
+                    <a:lumMod val="95000"/>
+                    <a:lumOff val="5000"/>
+                  </a:schemeClr>
+                </a:solidFill>
+              </a:rPr>
+              <a:t>ok</a:t>
+            </a:r>
+          </a:p>
+        </p:txBody>
+      </p:sp>
+      <p:sp>
+        <p:nvSpPr>
+          <p:cNvPr id="14" name="Rectangle: Rounded Corners 13">
+            <a:extLst>
+              <a:ext uri="{FF2B5EF4-FFF2-40B4-BE49-F238E27FC236}">
+                <a16:creationId xmlns:a16="http://schemas.microsoft.com/office/drawing/2014/main" id="{FDC9EAA3-5F34-4032-82FA-B03767F002DF}"/>
+              </a:ext>
+            </a:extLst>
+          </p:cNvPr>
+          <p:cNvSpPr/>
+          <p:nvPr/>
+        </p:nvSpPr>
+        <p:spPr>
+          <a:xfrm>
+            <a:off x="9829137" y="871220"/>
+            <a:ext cx="690713" cy="268254"/>
+          </a:xfrm>
+          <a:prstGeom prst="roundRect">
+            <a:avLst/>
+          </a:prstGeom>
+        </p:spPr>
+        <p:style>
+          <a:lnRef idx="2">
+            <a:schemeClr val="accent6">
+              <a:shade val="50000"/>
+            </a:schemeClr>
+          </a:lnRef>
+          <a:fillRef idx="1">
+            <a:schemeClr val="accent6"/>
+          </a:fillRef>
+          <a:effectRef idx="0">
+            <a:schemeClr val="accent6"/>
+          </a:effectRef>
+          <a:fontRef idx="minor">
+            <a:schemeClr val="lt1"/>
+          </a:fontRef>
+        </p:style>
+        <p:txBody>
+          <a:bodyPr rtlCol="0" anchor="ctr"/>
+          <a:lstStyle/>
+          <a:p>
+            <a:pPr algn="ctr"/>
+            <a:r>
+              <a:rPr lang="en-US" sz="2800" b="1" dirty="0">
+                <a:solidFill>
+                  <a:schemeClr val="tx1">
+                    <a:lumMod val="95000"/>
+                    <a:lumOff val="5000"/>
+                  </a:schemeClr>
+                </a:solidFill>
+              </a:rPr>
+              <a:t>ok</a:t>
+            </a:r>
+          </a:p>
+        </p:txBody>
+      </p:sp>
     </p:spTree>
     <p:extLst>
       <p:ext uri="{BB962C8B-B14F-4D97-AF65-F5344CB8AC3E}">
@@ -3961,6 +4297,118 @@
           </a:prstGeom>
         </p:spPr>
       </p:pic>
+      <p:sp>
+        <p:nvSpPr>
+          <p:cNvPr id="5" name="Rectangle: Rounded Corners 4">
+            <a:extLst>
+              <a:ext uri="{FF2B5EF4-FFF2-40B4-BE49-F238E27FC236}">
+                <a16:creationId xmlns:a16="http://schemas.microsoft.com/office/drawing/2014/main" id="{E1DDB4FA-337B-48AE-8651-DE43088C6230}"/>
+              </a:ext>
+            </a:extLst>
+          </p:cNvPr>
+          <p:cNvSpPr/>
+          <p:nvPr/>
+        </p:nvSpPr>
+        <p:spPr>
+          <a:xfrm>
+            <a:off x="2563007" y="838650"/>
+            <a:ext cx="1092758" cy="194026"/>
+          </a:xfrm>
+          <a:prstGeom prst="roundRect">
+            <a:avLst/>
+          </a:prstGeom>
+        </p:spPr>
+        <p:style>
+          <a:lnRef idx="2">
+            <a:schemeClr val="accent6">
+              <a:shade val="50000"/>
+            </a:schemeClr>
+          </a:lnRef>
+          <a:fillRef idx="1">
+            <a:schemeClr val="accent6"/>
+          </a:fillRef>
+          <a:effectRef idx="0">
+            <a:schemeClr val="accent6"/>
+          </a:effectRef>
+          <a:fontRef idx="minor">
+            <a:schemeClr val="lt1"/>
+          </a:fontRef>
+        </p:style>
+        <p:txBody>
+          <a:bodyPr rtlCol="0" anchor="ctr"/>
+          <a:lstStyle/>
+          <a:p>
+            <a:pPr algn="ctr"/>
+            <a:r>
+              <a:rPr lang="en-US" sz="2800" b="1" dirty="0">
+                <a:solidFill>
+                  <a:schemeClr val="tx1">
+                    <a:lumMod val="95000"/>
+                    <a:lumOff val="5000"/>
+                  </a:schemeClr>
+                </a:solidFill>
+              </a:rPr>
+              <a:t>ok</a:t>
+            </a:r>
+          </a:p>
+        </p:txBody>
+      </p:sp>
+      <p:sp>
+        <p:nvSpPr>
+          <p:cNvPr id="6" name="Rectangle: Rounded Corners 5">
+            <a:extLst>
+              <a:ext uri="{FF2B5EF4-FFF2-40B4-BE49-F238E27FC236}">
+                <a16:creationId xmlns:a16="http://schemas.microsoft.com/office/drawing/2014/main" id="{969B431B-BFDD-4CFF-A144-4D6776BD8A08}"/>
+              </a:ext>
+            </a:extLst>
+          </p:cNvPr>
+          <p:cNvSpPr/>
+          <p:nvPr/>
+        </p:nvSpPr>
+        <p:spPr>
+          <a:xfrm>
+            <a:off x="2372176" y="3550045"/>
+            <a:ext cx="1092758" cy="194026"/>
+          </a:xfrm>
+          <a:prstGeom prst="roundRect">
+            <a:avLst/>
+          </a:prstGeom>
+        </p:spPr>
+        <p:style>
+          <a:lnRef idx="2">
+            <a:schemeClr val="accent6">
+              <a:shade val="50000"/>
+            </a:schemeClr>
+          </a:lnRef>
+          <a:fillRef idx="1">
+            <a:schemeClr val="accent6"/>
+          </a:fillRef>
+          <a:effectRef idx="0">
+            <a:schemeClr val="accent6"/>
+          </a:effectRef>
+          <a:fontRef idx="minor">
+            <a:schemeClr val="lt1"/>
+          </a:fontRef>
+        </p:style>
+        <p:txBody>
+          <a:bodyPr rtlCol="0" anchor="ctr"/>
+          <a:lstStyle/>
+          <a:p>
+            <a:pPr algn="ctr"/>
+            <a:r>
+              <a:rPr lang="en-US" sz="2800" b="1" dirty="0">
+                <a:solidFill>
+                  <a:schemeClr val="tx1">
+                    <a:lumMod val="95000"/>
+                    <a:lumOff val="5000"/>
+                  </a:schemeClr>
+                </a:solidFill>
+              </a:rPr>
+              <a:t>ok</a:t>
+            </a:r>
+          </a:p>
+        </p:txBody>
+      </p:sp>
     </p:spTree>
     <p:extLst>
       <p:ext uri="{BB962C8B-B14F-4D97-AF65-F5344CB8AC3E}">
